--- a/format-encodings/slide_presentations/.hidden/floating-point-encoding.pptx
+++ b/format-encodings/slide_presentations/.hidden/floating-point-encoding.pptx
@@ -9,7 +9,7 @@
   </p:notesMasterIdLst>
   <p:sldIdLst>
     <p:sldId id="256" r:id="rId2"/>
-    <p:sldId id="257" r:id="rId3"/>
+    <p:sldId id="263" r:id="rId3"/>
     <p:sldId id="258" r:id="rId4"/>
     <p:sldId id="259" r:id="rId5"/>
     <p:sldId id="261" r:id="rId6"/>
@@ -6759,7 +6759,7 @@
         </p:nvSpPr>
         <p:spPr>
           <a:xfrm>
-            <a:off x="3749025" y="4435316"/>
+            <a:off x="2414001" y="4508468"/>
             <a:ext cx="3261000" cy="400200"/>
           </a:xfrm>
           <a:prstGeom prst="rect">
@@ -6786,10 +6786,10 @@
               <a:buNone/>
             </a:pPr>
             <a:r>
-              <a:rPr lang="en"/>
-              <a:t>fractional part</a:t>
+              <a:rPr lang="en" dirty="0"/>
+              <a:t>fractional</a:t>
             </a:r>
-            <a:endParaRPr/>
+            <a:endParaRPr dirty="0"/>
           </a:p>
         </p:txBody>
       </p:sp>
@@ -6801,8 +6801,8 @@
         </p:nvSpPr>
         <p:spPr>
           <a:xfrm>
-            <a:off x="1772025" y="4435316"/>
-            <a:ext cx="1652400" cy="615600"/>
+            <a:off x="6050121" y="4496988"/>
+            <a:ext cx="1652400" cy="400079"/>
           </a:xfrm>
           <a:prstGeom prst="rect">
             <a:avLst/>
@@ -6828,10 +6828,10 @@
               <a:buNone/>
             </a:pPr>
             <a:r>
-              <a:rPr lang="en"/>
-              <a:t>exponent part with sign</a:t>
+              <a:rPr lang="en" dirty="0"/>
+              <a:t>exponent with sign</a:t>
             </a:r>
-            <a:endParaRPr/>
+            <a:endParaRPr dirty="0"/>
           </a:p>
         </p:txBody>
       </p:sp>
@@ -6843,7 +6843,7 @@
         </p:nvSpPr>
         <p:spPr>
           <a:xfrm>
-            <a:off x="1160425" y="4435316"/>
+            <a:off x="1105561" y="4435316"/>
             <a:ext cx="528000" cy="400200"/>
           </a:xfrm>
           <a:prstGeom prst="rect">
@@ -6870,10 +6870,10 @@
               <a:buNone/>
             </a:pPr>
             <a:r>
-              <a:rPr lang="en"/>
+              <a:rPr lang="en" dirty="0"/>
               <a:t>sign</a:t>
             </a:r>
-            <a:endParaRPr/>
+            <a:endParaRPr dirty="0"/>
           </a:p>
         </p:txBody>
       </p:sp>
@@ -7128,7 +7128,7 @@
             </a:pPr>
             <a:r>
               <a:rPr lang="en" sz="1800" dirty="0"/>
-              <a:t>Assume a size of 16</a:t>
+              <a:t>Assume a size of 16 to hold all necessary information</a:t>
             </a:r>
             <a:endParaRPr sz="1800" dirty="0"/>
           </a:p>
@@ -7145,7 +7145,7 @@
             </a:pPr>
             <a:r>
               <a:rPr lang="en" sz="1800" dirty="0"/>
-              <a:t>Note the whole part is always "1", so I left it out!</a:t>
+              <a:t>Note the whole part is always "1"</a:t>
             </a:r>
             <a:endParaRPr sz="1800" baseline="30000" dirty="0"/>
           </a:p>
@@ -7275,10 +7275,10 @@
         </p:nvGrpSpPr>
         <p:grpSpPr>
           <a:xfrm>
-            <a:off x="1269625" y="4206716"/>
-            <a:ext cx="5740300" cy="326400"/>
-            <a:chOff x="1269625" y="4206716"/>
-            <a:chExt cx="5740300" cy="326400"/>
+            <a:off x="1244084" y="4222618"/>
+            <a:ext cx="6501747" cy="326400"/>
+            <a:chOff x="2293753" y="4206716"/>
+            <a:chExt cx="6501747" cy="326400"/>
           </a:xfrm>
         </p:grpSpPr>
         <p:grpSp>
@@ -7289,9 +7289,9 @@
           </p:nvGrpSpPr>
           <p:grpSpPr>
             <a:xfrm>
-              <a:off x="5716075" y="4206716"/>
+              <a:off x="5478331" y="4206716"/>
               <a:ext cx="1293850" cy="326400"/>
-              <a:chOff x="5547825" y="1226350"/>
+              <a:chOff x="5310081" y="1226350"/>
               <a:chExt cx="1293850" cy="326400"/>
             </a:xfrm>
           </p:grpSpPr>
@@ -7303,7 +7303,7 @@
             </p:nvSpPr>
             <p:spPr>
               <a:xfrm>
-                <a:off x="5547825" y="1226350"/>
+                <a:off x="5310081" y="1226350"/>
                 <a:ext cx="309600" cy="326400"/>
               </a:xfrm>
               <a:prstGeom prst="rect">
@@ -7361,7 +7361,7 @@
             </p:nvSpPr>
             <p:spPr>
               <a:xfrm>
-                <a:off x="5875913" y="1226350"/>
+                <a:off x="5638169" y="1226350"/>
                 <a:ext cx="309600" cy="326400"/>
               </a:xfrm>
               <a:prstGeom prst="rect">
@@ -7419,7 +7419,7 @@
             </p:nvSpPr>
             <p:spPr>
               <a:xfrm>
-                <a:off x="6204000" y="1226350"/>
+                <a:off x="5966256" y="1226350"/>
                 <a:ext cx="309600" cy="326400"/>
               </a:xfrm>
               <a:prstGeom prst="rect">
@@ -7477,7 +7477,7 @@
             </p:nvSpPr>
             <p:spPr>
               <a:xfrm>
-                <a:off x="6532075" y="1226350"/>
+                <a:off x="6294331" y="1226350"/>
                 <a:ext cx="309600" cy="326400"/>
               </a:xfrm>
               <a:prstGeom prst="rect">
@@ -7536,10 +7536,10 @@
           </p:nvGrpSpPr>
           <p:grpSpPr>
             <a:xfrm>
-              <a:off x="1269625" y="4206716"/>
-              <a:ext cx="4428438" cy="326400"/>
-              <a:chOff x="1269625" y="4206716"/>
-              <a:chExt cx="4428438" cy="326400"/>
+              <a:off x="2293753" y="4206716"/>
+              <a:ext cx="6501747" cy="326400"/>
+              <a:chOff x="2293753" y="4206716"/>
+              <a:chExt cx="6501747" cy="326400"/>
             </a:xfrm>
           </p:grpSpPr>
           <p:grpSp>
@@ -7550,9 +7550,9 @@
             </p:nvGrpSpPr>
             <p:grpSpPr>
               <a:xfrm>
-                <a:off x="4404213" y="4206716"/>
+                <a:off x="4166469" y="4206716"/>
                 <a:ext cx="1293850" cy="326400"/>
-                <a:chOff x="5547825" y="1226350"/>
+                <a:chOff x="5310081" y="1226350"/>
                 <a:chExt cx="1293850" cy="326400"/>
               </a:xfrm>
             </p:grpSpPr>
@@ -7564,7 +7564,7 @@
               </p:nvSpPr>
               <p:spPr>
                 <a:xfrm>
-                  <a:off x="5547825" y="1226350"/>
+                  <a:off x="5310081" y="1226350"/>
                   <a:ext cx="309600" cy="326400"/>
                 </a:xfrm>
                 <a:prstGeom prst="rect">
@@ -7622,7 +7622,7 @@
               </p:nvSpPr>
               <p:spPr>
                 <a:xfrm>
-                  <a:off x="5875913" y="1226350"/>
+                  <a:off x="5638169" y="1226350"/>
                   <a:ext cx="309600" cy="326400"/>
                 </a:xfrm>
                 <a:prstGeom prst="rect">
@@ -7680,7 +7680,7 @@
               </p:nvSpPr>
               <p:spPr>
                 <a:xfrm>
-                  <a:off x="6204000" y="1226350"/>
+                  <a:off x="5966256" y="1226350"/>
                   <a:ext cx="309600" cy="326400"/>
                 </a:xfrm>
                 <a:prstGeom prst="rect">
@@ -7738,7 +7738,7 @@
               </p:nvSpPr>
               <p:spPr>
                 <a:xfrm>
-                  <a:off x="6532075" y="1226350"/>
+                  <a:off x="6294331" y="1226350"/>
                   <a:ext cx="309600" cy="326400"/>
                 </a:xfrm>
                 <a:prstGeom prst="rect">
@@ -7797,7 +7797,7 @@
             </p:nvSpPr>
             <p:spPr>
               <a:xfrm>
-                <a:off x="4076625" y="4206716"/>
+                <a:off x="3838881" y="4206716"/>
                 <a:ext cx="309600" cy="326400"/>
               </a:xfrm>
               <a:prstGeom prst="rect">
@@ -7855,7 +7855,7 @@
             </p:nvSpPr>
             <p:spPr>
               <a:xfrm>
-                <a:off x="1767325" y="4206716"/>
+                <a:off x="7143200" y="4206716"/>
                 <a:ext cx="309600" cy="326400"/>
               </a:xfrm>
               <a:prstGeom prst="rect">
@@ -7913,7 +7913,7 @@
             </p:nvSpPr>
             <p:spPr>
               <a:xfrm>
-                <a:off x="1269625" y="4206716"/>
+                <a:off x="2293753" y="4206716"/>
                 <a:ext cx="309600" cy="326400"/>
               </a:xfrm>
               <a:prstGeom prst="rect">
@@ -7971,7 +7971,7 @@
             </p:nvSpPr>
             <p:spPr>
               <a:xfrm>
-                <a:off x="2105375" y="4206716"/>
+                <a:off x="7481250" y="4206716"/>
                 <a:ext cx="309600" cy="326400"/>
               </a:xfrm>
               <a:prstGeom prst="rect">
@@ -8029,7 +8029,7 @@
             </p:nvSpPr>
             <p:spPr>
               <a:xfrm>
-                <a:off x="2443413" y="4206716"/>
+                <a:off x="7819288" y="4206716"/>
                 <a:ext cx="309600" cy="326400"/>
               </a:xfrm>
               <a:prstGeom prst="rect">
@@ -8087,7 +8087,7 @@
             </p:nvSpPr>
             <p:spPr>
               <a:xfrm>
-                <a:off x="2781463" y="4206716"/>
+                <a:off x="8157338" y="4206716"/>
                 <a:ext cx="309600" cy="326400"/>
               </a:xfrm>
               <a:prstGeom prst="rect">
@@ -8145,7 +8145,7 @@
             </p:nvSpPr>
             <p:spPr>
               <a:xfrm>
-                <a:off x="3110025" y="4206716"/>
+                <a:off x="8485900" y="4206716"/>
                 <a:ext cx="309600" cy="326400"/>
               </a:xfrm>
               <a:prstGeom prst="rect">
@@ -8203,7 +8203,7 @@
             </p:nvSpPr>
             <p:spPr>
               <a:xfrm>
-                <a:off x="3749025" y="4206716"/>
+                <a:off x="3511281" y="4206716"/>
                 <a:ext cx="309600" cy="326400"/>
               </a:xfrm>
               <a:prstGeom prst="rect">
@@ -8255,6 +8255,305 @@
           </p:sp>
         </p:grpSp>
       </p:grpSp>
+      <p:sp>
+        <p:nvSpPr>
+          <p:cNvPr id="29" name="Google Shape;70;p14">
+            <a:extLst>
+              <a:ext uri="{FF2B5EF4-FFF2-40B4-BE49-F238E27FC236}">
+                <a16:creationId xmlns:a16="http://schemas.microsoft.com/office/drawing/2014/main" id="{A0D99783-208E-4A47-8AA2-5310D72397C1}"/>
+              </a:ext>
+            </a:extLst>
+          </p:cNvPr>
+          <p:cNvSpPr txBox="1"/>
+          <p:nvPr/>
+        </p:nvSpPr>
+        <p:spPr>
+          <a:xfrm>
+            <a:off x="1592315" y="4444598"/>
+            <a:ext cx="725139" cy="400079"/>
+          </a:xfrm>
+          <a:prstGeom prst="rect">
+            <a:avLst/>
+          </a:prstGeom>
+          <a:noFill/>
+          <a:ln>
+            <a:noFill/>
+          </a:ln>
+        </p:spPr>
+        <p:txBody>
+          <a:bodyPr spcFirstLastPara="1" wrap="square" lIns="91425" tIns="91425" rIns="91425" bIns="91425" anchor="t" anchorCtr="0">
+            <a:spAutoFit/>
+          </a:bodyPr>
+          <a:lstStyle/>
+          <a:p>
+            <a:pPr marL="0" lvl="0" indent="0" algn="ctr" rtl="0">
+              <a:spcBef>
+                <a:spcPts val="0"/>
+              </a:spcBef>
+              <a:spcAft>
+                <a:spcPts val="0"/>
+              </a:spcAft>
+              <a:buNone/>
+            </a:pPr>
+            <a:r>
+              <a:rPr lang="en" strike="sngStrike" dirty="0"/>
+              <a:t>whole</a:t>
+            </a:r>
+            <a:endParaRPr strike="sngStrike" dirty="0"/>
+          </a:p>
+        </p:txBody>
+      </p:sp>
+      <p:sp>
+        <p:nvSpPr>
+          <p:cNvPr id="30" name="Google Shape;88;p14">
+            <a:extLst>
+              <a:ext uri="{FF2B5EF4-FFF2-40B4-BE49-F238E27FC236}">
+                <a16:creationId xmlns:a16="http://schemas.microsoft.com/office/drawing/2014/main" id="{8A952984-EF7B-704D-BD04-B8540DBBE331}"/>
+              </a:ext>
+            </a:extLst>
+          </p:cNvPr>
+          <p:cNvSpPr/>
+          <p:nvPr/>
+        </p:nvSpPr>
+        <p:spPr>
+          <a:xfrm>
+            <a:off x="1783806" y="4231900"/>
+            <a:ext cx="309600" cy="326400"/>
+          </a:xfrm>
+          <a:prstGeom prst="rect">
+            <a:avLst/>
+          </a:prstGeom>
+          <a:solidFill>
+            <a:schemeClr val="lt2"/>
+          </a:solidFill>
+          <a:ln w="9525" cap="flat" cmpd="sng">
+            <a:solidFill>
+              <a:schemeClr val="dk2"/>
+            </a:solidFill>
+            <a:prstDash val="solid"/>
+            <a:round/>
+            <a:headEnd type="none" w="sm" len="sm"/>
+            <a:tailEnd type="none" w="sm" len="sm"/>
+          </a:ln>
+        </p:spPr>
+        <p:txBody>
+          <a:bodyPr spcFirstLastPara="1" wrap="square" lIns="91425" tIns="91425" rIns="91425" bIns="91425" anchor="ctr" anchorCtr="0">
+            <a:noAutofit/>
+          </a:bodyPr>
+          <a:lstStyle/>
+          <a:p>
+            <a:pPr marL="0" lvl="0" indent="0" algn="l" rtl="0">
+              <a:spcBef>
+                <a:spcPts val="0"/>
+              </a:spcBef>
+              <a:spcAft>
+                <a:spcPts val="0"/>
+              </a:spcAft>
+              <a:buNone/>
+            </a:pPr>
+            <a:r>
+              <a:rPr lang="en" dirty="0">
+                <a:solidFill>
+                  <a:schemeClr val="tx1"/>
+                </a:solidFill>
+              </a:rPr>
+              <a:t>1</a:t>
+            </a:r>
+            <a:endParaRPr dirty="0">
+              <a:solidFill>
+                <a:schemeClr val="tx1"/>
+              </a:solidFill>
+            </a:endParaRPr>
+          </a:p>
+        </p:txBody>
+      </p:sp>
+      <p:cxnSp>
+        <p:nvCxnSpPr>
+          <p:cNvPr id="3" name="Straight Connector 2">
+            <a:extLst>
+              <a:ext uri="{FF2B5EF4-FFF2-40B4-BE49-F238E27FC236}">
+                <a16:creationId xmlns:a16="http://schemas.microsoft.com/office/drawing/2014/main" id="{BE478DC5-CC17-E844-8546-6648BAD80294}"/>
+              </a:ext>
+            </a:extLst>
+          </p:cNvPr>
+          <p:cNvCxnSpPr/>
+          <p:nvPr/>
+        </p:nvCxnSpPr>
+        <p:spPr>
+          <a:xfrm>
+            <a:off x="1783647" y="4222618"/>
+            <a:ext cx="294814" cy="346257"/>
+          </a:xfrm>
+          <a:prstGeom prst="line">
+            <a:avLst/>
+          </a:prstGeom>
+          <a:ln w="19050">
+            <a:solidFill>
+              <a:schemeClr val="bg2"/>
+            </a:solidFill>
+          </a:ln>
+        </p:spPr>
+        <p:style>
+          <a:lnRef idx="1">
+            <a:schemeClr val="accent1"/>
+          </a:lnRef>
+          <a:fillRef idx="0">
+            <a:schemeClr val="accent1"/>
+          </a:fillRef>
+          <a:effectRef idx="0">
+            <a:schemeClr val="accent1"/>
+          </a:effectRef>
+          <a:fontRef idx="minor">
+            <a:schemeClr val="tx1"/>
+          </a:fontRef>
+        </p:style>
+      </p:cxnSp>
+      <p:cxnSp>
+        <p:nvCxnSpPr>
+          <p:cNvPr id="5" name="Straight Connector 4">
+            <a:extLst>
+              <a:ext uri="{FF2B5EF4-FFF2-40B4-BE49-F238E27FC236}">
+                <a16:creationId xmlns:a16="http://schemas.microsoft.com/office/drawing/2014/main" id="{FB10B82E-91FA-F74F-AB0E-A84E822B549F}"/>
+              </a:ext>
+            </a:extLst>
+          </p:cNvPr>
+          <p:cNvCxnSpPr>
+            <a:cxnSpLocks/>
+          </p:cNvCxnSpPr>
+          <p:nvPr/>
+        </p:nvCxnSpPr>
+        <p:spPr>
+          <a:xfrm flipH="1">
+            <a:off x="1783647" y="4231900"/>
+            <a:ext cx="294815" cy="326400"/>
+          </a:xfrm>
+          <a:prstGeom prst="line">
+            <a:avLst/>
+          </a:prstGeom>
+          <a:ln w="19050">
+            <a:solidFill>
+              <a:schemeClr val="bg2"/>
+            </a:solidFill>
+          </a:ln>
+        </p:spPr>
+        <p:style>
+          <a:lnRef idx="1">
+            <a:schemeClr val="accent1"/>
+          </a:lnRef>
+          <a:fillRef idx="0">
+            <a:schemeClr val="accent1"/>
+          </a:fillRef>
+          <a:effectRef idx="0">
+            <a:schemeClr val="accent1"/>
+          </a:effectRef>
+          <a:fontRef idx="minor">
+            <a:schemeClr val="tx1"/>
+          </a:fontRef>
+        </p:style>
+      </p:cxnSp>
+      <p:cxnSp>
+        <p:nvCxnSpPr>
+          <p:cNvPr id="9" name="Straight Arrow Connector 8">
+            <a:extLst>
+              <a:ext uri="{FF2B5EF4-FFF2-40B4-BE49-F238E27FC236}">
+                <a16:creationId xmlns:a16="http://schemas.microsoft.com/office/drawing/2014/main" id="{68CC52D9-72BE-8C45-8C38-65AD02A7A654}"/>
+              </a:ext>
+            </a:extLst>
+          </p:cNvPr>
+          <p:cNvCxnSpPr>
+            <a:cxnSpLocks/>
+          </p:cNvCxnSpPr>
+          <p:nvPr/>
+        </p:nvCxnSpPr>
+        <p:spPr>
+          <a:xfrm flipH="1" flipV="1">
+            <a:off x="2293649" y="4496988"/>
+            <a:ext cx="167963" cy="411680"/>
+          </a:xfrm>
+          <a:prstGeom prst="straightConnector1">
+            <a:avLst/>
+          </a:prstGeom>
+          <a:ln>
+            <a:tailEnd type="triangle"/>
+          </a:ln>
+        </p:spPr>
+        <p:style>
+          <a:lnRef idx="1">
+            <a:schemeClr val="accent1"/>
+          </a:lnRef>
+          <a:fillRef idx="0">
+            <a:schemeClr val="accent1"/>
+          </a:fillRef>
+          <a:effectRef idx="0">
+            <a:schemeClr val="accent1"/>
+          </a:effectRef>
+          <a:fontRef idx="minor">
+            <a:schemeClr val="tx1"/>
+          </a:fontRef>
+        </p:style>
+      </p:cxnSp>
+      <p:sp>
+        <p:nvSpPr>
+          <p:cNvPr id="39" name="Google Shape;68;p14">
+            <a:extLst>
+              <a:ext uri="{FF2B5EF4-FFF2-40B4-BE49-F238E27FC236}">
+                <a16:creationId xmlns:a16="http://schemas.microsoft.com/office/drawing/2014/main" id="{FDFB31CA-A64B-5049-8EB4-1927AFD127BC}"/>
+              </a:ext>
+            </a:extLst>
+          </p:cNvPr>
+          <p:cNvSpPr txBox="1"/>
+          <p:nvPr/>
+        </p:nvSpPr>
+        <p:spPr>
+          <a:xfrm>
+            <a:off x="1579632" y="4806692"/>
+            <a:ext cx="2054426" cy="400200"/>
+          </a:xfrm>
+          <a:prstGeom prst="rect">
+            <a:avLst/>
+          </a:prstGeom>
+          <a:noFill/>
+          <a:ln>
+            <a:noFill/>
+          </a:ln>
+        </p:spPr>
+        <p:txBody>
+          <a:bodyPr spcFirstLastPara="1" wrap="square" lIns="91425" tIns="91425" rIns="91425" bIns="91425" anchor="t" anchorCtr="0">
+            <a:spAutoFit/>
+          </a:bodyPr>
+          <a:lstStyle/>
+          <a:p>
+            <a:pPr marL="0" lvl="0" indent="0" algn="ctr" rtl="0">
+              <a:spcBef>
+                <a:spcPts val="0"/>
+              </a:spcBef>
+              <a:spcAft>
+                <a:spcPts val="0"/>
+              </a:spcAft>
+              <a:buNone/>
+            </a:pPr>
+            <a:r>
+              <a:rPr lang="en" dirty="0">
+                <a:solidFill>
+                  <a:schemeClr val="accent1">
+                    <a:lumMod val="60000"/>
+                    <a:lumOff val="40000"/>
+                  </a:schemeClr>
+                </a:solidFill>
+              </a:rPr>
+              <a:t>implicit radix point</a:t>
+            </a:r>
+            <a:endParaRPr dirty="0">
+              <a:solidFill>
+                <a:schemeClr val="accent1">
+                  <a:lumMod val="60000"/>
+                  <a:lumOff val="40000"/>
+                </a:schemeClr>
+              </a:solidFill>
+            </a:endParaRPr>
+          </a:p>
+        </p:txBody>
+      </p:sp>
     </p:spTree>
   </p:cSld>
   <p:clrMapOvr>
